--- a/other/图.pptx
+++ b/other/图.pptx
@@ -21,8 +21,15 @@
     <p:sldId id="273" r:id="rId15"/>
     <p:sldId id="269" r:id="rId16"/>
     <p:sldId id="270" r:id="rId17"/>
-    <p:sldId id="271" r:id="rId18"/>
-    <p:sldId id="266" r:id="rId19"/>
+    <p:sldId id="274" r:id="rId18"/>
+    <p:sldId id="280" r:id="rId19"/>
+    <p:sldId id="275" r:id="rId20"/>
+    <p:sldId id="276" r:id="rId21"/>
+    <p:sldId id="277" r:id="rId22"/>
+    <p:sldId id="278" r:id="rId23"/>
+    <p:sldId id="279" r:id="rId24"/>
+    <p:sldId id="271" r:id="rId25"/>
+    <p:sldId id="266" r:id="rId26"/>
   </p:sldIdLst>
   <p:sldSz cx="12192000" cy="6858000"/>
   <p:notesSz cx="6858000" cy="9144000"/>
@@ -276,7 +283,7 @@
           <a:p>
             <a:fld id="{D68D109B-847F-4DC6-921E-E5B73D0535A9}" type="datetimeFigureOut">
               <a:rPr lang="zh-CN" altLang="en-US" smtClean="0"/>
-              <a:t>2020/7/19</a:t>
+              <a:t>2020/7/31</a:t>
             </a:fld>
             <a:endParaRPr lang="zh-CN" altLang="en-US"/>
           </a:p>
@@ -474,7 +481,7 @@
           <a:p>
             <a:fld id="{D68D109B-847F-4DC6-921E-E5B73D0535A9}" type="datetimeFigureOut">
               <a:rPr lang="zh-CN" altLang="en-US" smtClean="0"/>
-              <a:t>2020/7/19</a:t>
+              <a:t>2020/7/31</a:t>
             </a:fld>
             <a:endParaRPr lang="zh-CN" altLang="en-US"/>
           </a:p>
@@ -682,7 +689,7 @@
           <a:p>
             <a:fld id="{D68D109B-847F-4DC6-921E-E5B73D0535A9}" type="datetimeFigureOut">
               <a:rPr lang="zh-CN" altLang="en-US" smtClean="0"/>
-              <a:t>2020/7/19</a:t>
+              <a:t>2020/7/31</a:t>
             </a:fld>
             <a:endParaRPr lang="zh-CN" altLang="en-US"/>
           </a:p>
@@ -880,7 +887,7 @@
           <a:p>
             <a:fld id="{D68D109B-847F-4DC6-921E-E5B73D0535A9}" type="datetimeFigureOut">
               <a:rPr lang="zh-CN" altLang="en-US" smtClean="0"/>
-              <a:t>2020/7/19</a:t>
+              <a:t>2020/7/31</a:t>
             </a:fld>
             <a:endParaRPr lang="zh-CN" altLang="en-US"/>
           </a:p>
@@ -1155,7 +1162,7 @@
           <a:p>
             <a:fld id="{D68D109B-847F-4DC6-921E-E5B73D0535A9}" type="datetimeFigureOut">
               <a:rPr lang="zh-CN" altLang="en-US" smtClean="0"/>
-              <a:t>2020/7/19</a:t>
+              <a:t>2020/7/31</a:t>
             </a:fld>
             <a:endParaRPr lang="zh-CN" altLang="en-US"/>
           </a:p>
@@ -1420,7 +1427,7 @@
           <a:p>
             <a:fld id="{D68D109B-847F-4DC6-921E-E5B73D0535A9}" type="datetimeFigureOut">
               <a:rPr lang="zh-CN" altLang="en-US" smtClean="0"/>
-              <a:t>2020/7/19</a:t>
+              <a:t>2020/7/31</a:t>
             </a:fld>
             <a:endParaRPr lang="zh-CN" altLang="en-US"/>
           </a:p>
@@ -1832,7 +1839,7 @@
           <a:p>
             <a:fld id="{D68D109B-847F-4DC6-921E-E5B73D0535A9}" type="datetimeFigureOut">
               <a:rPr lang="zh-CN" altLang="en-US" smtClean="0"/>
-              <a:t>2020/7/19</a:t>
+              <a:t>2020/7/31</a:t>
             </a:fld>
             <a:endParaRPr lang="zh-CN" altLang="en-US"/>
           </a:p>
@@ -1973,7 +1980,7 @@
           <a:p>
             <a:fld id="{D68D109B-847F-4DC6-921E-E5B73D0535A9}" type="datetimeFigureOut">
               <a:rPr lang="zh-CN" altLang="en-US" smtClean="0"/>
-              <a:t>2020/7/19</a:t>
+              <a:t>2020/7/31</a:t>
             </a:fld>
             <a:endParaRPr lang="zh-CN" altLang="en-US"/>
           </a:p>
@@ -2086,7 +2093,7 @@
           <a:p>
             <a:fld id="{D68D109B-847F-4DC6-921E-E5B73D0535A9}" type="datetimeFigureOut">
               <a:rPr lang="zh-CN" altLang="en-US" smtClean="0"/>
-              <a:t>2020/7/19</a:t>
+              <a:t>2020/7/31</a:t>
             </a:fld>
             <a:endParaRPr lang="zh-CN" altLang="en-US"/>
           </a:p>
@@ -2397,7 +2404,7 @@
           <a:p>
             <a:fld id="{D68D109B-847F-4DC6-921E-E5B73D0535A9}" type="datetimeFigureOut">
               <a:rPr lang="zh-CN" altLang="en-US" smtClean="0"/>
-              <a:t>2020/7/19</a:t>
+              <a:t>2020/7/31</a:t>
             </a:fld>
             <a:endParaRPr lang="zh-CN" altLang="en-US"/>
           </a:p>
@@ -2685,7 +2692,7 @@
           <a:p>
             <a:fld id="{D68D109B-847F-4DC6-921E-E5B73D0535A9}" type="datetimeFigureOut">
               <a:rPr lang="zh-CN" altLang="en-US" smtClean="0"/>
-              <a:t>2020/7/19</a:t>
+              <a:t>2020/7/31</a:t>
             </a:fld>
             <a:endParaRPr lang="zh-CN" altLang="en-US"/>
           </a:p>
@@ -2926,7 +2933,7 @@
           <a:p>
             <a:fld id="{D68D109B-847F-4DC6-921E-E5B73D0535A9}" type="datetimeFigureOut">
               <a:rPr lang="zh-CN" altLang="en-US" smtClean="0"/>
-              <a:t>2020/7/19</a:t>
+              <a:t>2020/7/31</a:t>
             </a:fld>
             <a:endParaRPr lang="zh-CN" altLang="en-US"/>
           </a:p>
@@ -11430,7 +11437,7 @@
     </p:spTree>
     <p:extLst>
       <p:ext uri="{BB962C8B-B14F-4D97-AF65-F5344CB8AC3E}">
-        <p14:creationId xmlns:p14="http://schemas.microsoft.com/office/powerpoint/2010/main" val="1347178506"/>
+        <p14:creationId xmlns:p14="http://schemas.microsoft.com/office/powerpoint/2010/main" val="1711185012"/>
       </p:ext>
     </p:extLst>
   </p:cSld>
@@ -11457,10 +11464,1849 @@
           <a:chExt cx="0" cy="0"/>
         </a:xfrm>
       </p:grpSpPr>
+      <p:sp>
+        <p:nvSpPr>
+          <p:cNvPr id="2" name="文本框 1"/>
+          <p:cNvSpPr txBox="1"/>
+          <p:nvPr/>
+        </p:nvSpPr>
+        <p:spPr>
+          <a:xfrm>
+            <a:off x="2650921" y="2575420"/>
+            <a:ext cx="6535023" cy="1569660"/>
+          </a:xfrm>
+          <a:prstGeom prst="rect">
+            <a:avLst/>
+          </a:prstGeom>
+          <a:noFill/>
+        </p:spPr>
+        <p:txBody>
+          <a:bodyPr wrap="square" rtlCol="0">
+            <a:spAutoFit/>
+          </a:bodyPr>
+          <a:lstStyle/>
+          <a:p>
+            <a:r>
+              <a:rPr lang="en-US" altLang="zh-CN" sz="9600" dirty="0" smtClean="0"/>
+              <a:t>React</a:t>
+            </a:r>
+            <a:r>
+              <a:rPr lang="zh-CN" altLang="en-US" sz="9600" dirty="0" smtClean="0"/>
+              <a:t>学习</a:t>
+            </a:r>
+            <a:endParaRPr lang="zh-CN" altLang="en-US" sz="9600" dirty="0"/>
+          </a:p>
+        </p:txBody>
+      </p:sp>
     </p:spTree>
     <p:extLst>
       <p:ext uri="{BB962C8B-B14F-4D97-AF65-F5344CB8AC3E}">
-        <p14:creationId xmlns:p14="http://schemas.microsoft.com/office/powerpoint/2010/main" val="450795091"/>
+        <p14:creationId xmlns:p14="http://schemas.microsoft.com/office/powerpoint/2010/main" val="4073116234"/>
+      </p:ext>
+    </p:extLst>
+  </p:cSld>
+  <p:clrMapOvr>
+    <a:masterClrMapping/>
+  </p:clrMapOvr>
+</p:sld>
+</file>
+
+<file path=ppt/slides/slide19.xml><?xml version="1.0" encoding="utf-8"?>
+<p:sld xmlns:a="http://schemas.openxmlformats.org/drawingml/2006/main" xmlns:r="http://schemas.openxmlformats.org/officeDocument/2006/relationships" xmlns:p="http://schemas.openxmlformats.org/presentationml/2006/main">
+  <p:cSld>
+    <p:spTree>
+      <p:nvGrpSpPr>
+        <p:cNvPr id="1" name=""/>
+        <p:cNvGrpSpPr/>
+        <p:nvPr/>
+      </p:nvGrpSpPr>
+      <p:grpSpPr>
+        <a:xfrm>
+          <a:off x="0" y="0"/>
+          <a:ext cx="0" cy="0"/>
+          <a:chOff x="0" y="0"/>
+          <a:chExt cx="0" cy="0"/>
+        </a:xfrm>
+      </p:grpSpPr>
+      <p:cxnSp>
+        <p:nvCxnSpPr>
+          <p:cNvPr id="3" name="直接连接符 2"/>
+          <p:cNvCxnSpPr/>
+          <p:nvPr/>
+        </p:nvCxnSpPr>
+        <p:spPr>
+          <a:xfrm>
+            <a:off x="2414629" y="926662"/>
+            <a:ext cx="8389" cy="5440582"/>
+          </a:xfrm>
+          <a:prstGeom prst="line">
+            <a:avLst/>
+          </a:prstGeom>
+          <a:ln w="9525">
+            <a:prstDash val="dash"/>
+          </a:ln>
+        </p:spPr>
+        <p:style>
+          <a:lnRef idx="1">
+            <a:schemeClr val="accent1"/>
+          </a:lnRef>
+          <a:fillRef idx="0">
+            <a:schemeClr val="accent1"/>
+          </a:fillRef>
+          <a:effectRef idx="0">
+            <a:schemeClr val="accent1"/>
+          </a:effectRef>
+          <a:fontRef idx="minor">
+            <a:schemeClr val="tx1"/>
+          </a:fontRef>
+        </p:style>
+      </p:cxnSp>
+      <p:sp>
+        <p:nvSpPr>
+          <p:cNvPr id="5" name="圆角矩形 4"/>
+          <p:cNvSpPr/>
+          <p:nvPr/>
+        </p:nvSpPr>
+        <p:spPr>
+          <a:xfrm>
+            <a:off x="201334" y="2399252"/>
+            <a:ext cx="1971413" cy="343948"/>
+          </a:xfrm>
+          <a:prstGeom prst="roundRect">
+            <a:avLst/>
+          </a:prstGeom>
+          <a:solidFill>
+            <a:srgbClr val="FFE3C6"/>
+          </a:solidFill>
+          <a:ln>
+            <a:solidFill>
+              <a:srgbClr val="F8EFD8"/>
+            </a:solidFill>
+          </a:ln>
+        </p:spPr>
+        <p:style>
+          <a:lnRef idx="2">
+            <a:schemeClr val="accent1">
+              <a:shade val="50000"/>
+            </a:schemeClr>
+          </a:lnRef>
+          <a:fillRef idx="1">
+            <a:schemeClr val="accent1"/>
+          </a:fillRef>
+          <a:effectRef idx="0">
+            <a:schemeClr val="accent1"/>
+          </a:effectRef>
+          <a:fontRef idx="minor">
+            <a:schemeClr val="lt1"/>
+          </a:fontRef>
+        </p:style>
+        <p:txBody>
+          <a:bodyPr rtlCol="0" anchor="ctr"/>
+          <a:lstStyle/>
+          <a:p>
+            <a:pPr algn="ctr"/>
+            <a:r>
+              <a:rPr lang="en-US" altLang="zh-CN" sz="1200" dirty="0">
+                <a:solidFill>
+                  <a:schemeClr val="accent2">
+                    <a:lumMod val="75000"/>
+                  </a:schemeClr>
+                </a:solidFill>
+              </a:rPr>
+              <a:t>s</a:t>
+            </a:r>
+            <a:r>
+              <a:rPr lang="en-US" altLang="zh-CN" sz="1200" dirty="0" smtClean="0">
+                <a:solidFill>
+                  <a:schemeClr val="accent2">
+                    <a:lumMod val="75000"/>
+                  </a:schemeClr>
+                </a:solidFill>
+              </a:rPr>
+              <a:t>etup props and state</a:t>
+            </a:r>
+            <a:endParaRPr lang="zh-CN" altLang="en-US" sz="1200" dirty="0">
+              <a:solidFill>
+                <a:schemeClr val="accent2">
+                  <a:lumMod val="75000"/>
+                </a:schemeClr>
+              </a:solidFill>
+            </a:endParaRPr>
+          </a:p>
+        </p:txBody>
+      </p:sp>
+      <p:sp>
+        <p:nvSpPr>
+          <p:cNvPr id="7" name="文本框 6"/>
+          <p:cNvSpPr txBox="1"/>
+          <p:nvPr/>
+        </p:nvSpPr>
+        <p:spPr>
+          <a:xfrm>
+            <a:off x="209725" y="1199626"/>
+            <a:ext cx="1744910" cy="369332"/>
+          </a:xfrm>
+          <a:prstGeom prst="rect">
+            <a:avLst/>
+          </a:prstGeom>
+          <a:noFill/>
+        </p:spPr>
+        <p:txBody>
+          <a:bodyPr wrap="square" rtlCol="0">
+            <a:spAutoFit/>
+          </a:bodyPr>
+          <a:lstStyle/>
+          <a:p>
+            <a:r>
+              <a:rPr lang="en-US" altLang="zh-CN" dirty="0" smtClean="0"/>
+              <a:t>Initialization</a:t>
+            </a:r>
+          </a:p>
+        </p:txBody>
+      </p:sp>
+      <p:sp>
+        <p:nvSpPr>
+          <p:cNvPr id="8" name="文本框 7"/>
+          <p:cNvSpPr txBox="1"/>
+          <p:nvPr/>
+        </p:nvSpPr>
+        <p:spPr>
+          <a:xfrm>
+            <a:off x="3028425" y="1199626"/>
+            <a:ext cx="1744910" cy="369332"/>
+          </a:xfrm>
+          <a:prstGeom prst="rect">
+            <a:avLst/>
+          </a:prstGeom>
+          <a:noFill/>
+        </p:spPr>
+        <p:txBody>
+          <a:bodyPr wrap="square" rtlCol="0">
+            <a:spAutoFit/>
+          </a:bodyPr>
+          <a:lstStyle/>
+          <a:p>
+            <a:r>
+              <a:rPr lang="en-US" altLang="zh-CN" dirty="0" smtClean="0"/>
+              <a:t>Mounting</a:t>
+            </a:r>
+          </a:p>
+        </p:txBody>
+      </p:sp>
+      <p:sp>
+        <p:nvSpPr>
+          <p:cNvPr id="9" name="文本框 8"/>
+          <p:cNvSpPr txBox="1"/>
+          <p:nvPr/>
+        </p:nvSpPr>
+        <p:spPr>
+          <a:xfrm>
+            <a:off x="6935602" y="1199626"/>
+            <a:ext cx="1744910" cy="369332"/>
+          </a:xfrm>
+          <a:prstGeom prst="rect">
+            <a:avLst/>
+          </a:prstGeom>
+          <a:noFill/>
+        </p:spPr>
+        <p:txBody>
+          <a:bodyPr wrap="square" rtlCol="0">
+            <a:spAutoFit/>
+          </a:bodyPr>
+          <a:lstStyle/>
+          <a:p>
+            <a:r>
+              <a:rPr lang="en-US" altLang="zh-CN" dirty="0" err="1" smtClean="0"/>
+              <a:t>Updation</a:t>
+            </a:r>
+            <a:endParaRPr lang="en-US" altLang="zh-CN" dirty="0" smtClean="0"/>
+          </a:p>
+        </p:txBody>
+      </p:sp>
+      <p:sp>
+        <p:nvSpPr>
+          <p:cNvPr id="10" name="文本框 9"/>
+          <p:cNvSpPr txBox="1"/>
+          <p:nvPr/>
+        </p:nvSpPr>
+        <p:spPr>
+          <a:xfrm>
+            <a:off x="10193474" y="1199626"/>
+            <a:ext cx="1744910" cy="369332"/>
+          </a:xfrm>
+          <a:prstGeom prst="rect">
+            <a:avLst/>
+          </a:prstGeom>
+          <a:noFill/>
+        </p:spPr>
+        <p:txBody>
+          <a:bodyPr wrap="square" rtlCol="0">
+            <a:spAutoFit/>
+          </a:bodyPr>
+          <a:lstStyle/>
+          <a:p>
+            <a:r>
+              <a:rPr lang="en-US" altLang="zh-CN" dirty="0" smtClean="0"/>
+              <a:t>Unmounting</a:t>
+            </a:r>
+          </a:p>
+        </p:txBody>
+      </p:sp>
+      <p:sp>
+        <p:nvSpPr>
+          <p:cNvPr id="11" name="圆角矩形 10"/>
+          <p:cNvSpPr/>
+          <p:nvPr/>
+        </p:nvSpPr>
+        <p:spPr>
+          <a:xfrm>
+            <a:off x="2622257" y="2399252"/>
+            <a:ext cx="1971413" cy="343948"/>
+          </a:xfrm>
+          <a:prstGeom prst="roundRect">
+            <a:avLst/>
+          </a:prstGeom>
+          <a:solidFill>
+            <a:srgbClr val="E0CFE6"/>
+          </a:solidFill>
+          <a:ln>
+            <a:solidFill>
+              <a:srgbClr val="C0B0C9"/>
+            </a:solidFill>
+          </a:ln>
+        </p:spPr>
+        <p:style>
+          <a:lnRef idx="2">
+            <a:schemeClr val="accent1">
+              <a:shade val="50000"/>
+            </a:schemeClr>
+          </a:lnRef>
+          <a:fillRef idx="1">
+            <a:schemeClr val="accent1"/>
+          </a:fillRef>
+          <a:effectRef idx="0">
+            <a:schemeClr val="accent1"/>
+          </a:effectRef>
+          <a:fontRef idx="minor">
+            <a:schemeClr val="lt1"/>
+          </a:fontRef>
+        </p:style>
+        <p:txBody>
+          <a:bodyPr rtlCol="0" anchor="ctr"/>
+          <a:lstStyle/>
+          <a:p>
+            <a:pPr algn="ctr"/>
+            <a:r>
+              <a:rPr lang="en-US" altLang="zh-CN" sz="1200" dirty="0" err="1">
+                <a:solidFill>
+                  <a:schemeClr val="accent2">
+                    <a:lumMod val="75000"/>
+                  </a:schemeClr>
+                </a:solidFill>
+              </a:rPr>
+              <a:t>c</a:t>
+            </a:r>
+            <a:r>
+              <a:rPr lang="en-US" altLang="zh-CN" sz="1200" dirty="0" err="1" smtClean="0">
+                <a:solidFill>
+                  <a:schemeClr val="accent2">
+                    <a:lumMod val="75000"/>
+                  </a:schemeClr>
+                </a:solidFill>
+              </a:rPr>
+              <a:t>omponentWillMount</a:t>
+            </a:r>
+            <a:endParaRPr lang="zh-CN" altLang="en-US" sz="1200" dirty="0">
+              <a:solidFill>
+                <a:schemeClr val="accent2">
+                  <a:lumMod val="75000"/>
+                </a:schemeClr>
+              </a:solidFill>
+            </a:endParaRPr>
+          </a:p>
+        </p:txBody>
+      </p:sp>
+      <p:sp>
+        <p:nvSpPr>
+          <p:cNvPr id="12" name="圆角矩形 11"/>
+          <p:cNvSpPr/>
+          <p:nvPr/>
+        </p:nvSpPr>
+        <p:spPr>
+          <a:xfrm>
+            <a:off x="2622257" y="3271386"/>
+            <a:ext cx="1971413" cy="343948"/>
+          </a:xfrm>
+          <a:prstGeom prst="roundRect">
+            <a:avLst/>
+          </a:prstGeom>
+          <a:solidFill>
+            <a:srgbClr val="CFE4D1"/>
+          </a:solidFill>
+          <a:ln>
+            <a:solidFill>
+              <a:srgbClr val="A6B79F"/>
+            </a:solidFill>
+          </a:ln>
+        </p:spPr>
+        <p:style>
+          <a:lnRef idx="2">
+            <a:schemeClr val="accent1">
+              <a:shade val="50000"/>
+            </a:schemeClr>
+          </a:lnRef>
+          <a:fillRef idx="1">
+            <a:schemeClr val="accent1"/>
+          </a:fillRef>
+          <a:effectRef idx="0">
+            <a:schemeClr val="accent1"/>
+          </a:effectRef>
+          <a:fontRef idx="minor">
+            <a:schemeClr val="lt1"/>
+          </a:fontRef>
+        </p:style>
+        <p:txBody>
+          <a:bodyPr rtlCol="0" anchor="ctr"/>
+          <a:lstStyle/>
+          <a:p>
+            <a:pPr algn="ctr"/>
+            <a:r>
+              <a:rPr lang="en-US" altLang="zh-CN" sz="1200" dirty="0" smtClean="0">
+                <a:solidFill>
+                  <a:schemeClr val="accent2">
+                    <a:lumMod val="75000"/>
+                  </a:schemeClr>
+                </a:solidFill>
+              </a:rPr>
+              <a:t>render</a:t>
+            </a:r>
+            <a:endParaRPr lang="zh-CN" altLang="en-US" sz="1200" dirty="0">
+              <a:solidFill>
+                <a:schemeClr val="accent2">
+                  <a:lumMod val="75000"/>
+                </a:schemeClr>
+              </a:solidFill>
+            </a:endParaRPr>
+          </a:p>
+        </p:txBody>
+      </p:sp>
+      <p:sp>
+        <p:nvSpPr>
+          <p:cNvPr id="13" name="圆角矩形 12"/>
+          <p:cNvSpPr/>
+          <p:nvPr/>
+        </p:nvSpPr>
+        <p:spPr>
+          <a:xfrm>
+            <a:off x="2622257" y="4139004"/>
+            <a:ext cx="1971413" cy="343948"/>
+          </a:xfrm>
+          <a:prstGeom prst="roundRect">
+            <a:avLst/>
+          </a:prstGeom>
+          <a:solidFill>
+            <a:srgbClr val="D4E3FA"/>
+          </a:solidFill>
+          <a:ln>
+            <a:solidFill>
+              <a:srgbClr val="C7D5ED"/>
+            </a:solidFill>
+          </a:ln>
+        </p:spPr>
+        <p:style>
+          <a:lnRef idx="2">
+            <a:schemeClr val="accent1">
+              <a:shade val="50000"/>
+            </a:schemeClr>
+          </a:lnRef>
+          <a:fillRef idx="1">
+            <a:schemeClr val="accent1"/>
+          </a:fillRef>
+          <a:effectRef idx="0">
+            <a:schemeClr val="accent1"/>
+          </a:effectRef>
+          <a:fontRef idx="minor">
+            <a:schemeClr val="lt1"/>
+          </a:fontRef>
+        </p:style>
+        <p:txBody>
+          <a:bodyPr rtlCol="0" anchor="ctr"/>
+          <a:lstStyle/>
+          <a:p>
+            <a:pPr algn="ctr"/>
+            <a:r>
+              <a:rPr lang="en-US" altLang="zh-CN" sz="1200" dirty="0" err="1" smtClean="0">
+                <a:solidFill>
+                  <a:schemeClr val="accent2">
+                    <a:lumMod val="75000"/>
+                  </a:schemeClr>
+                </a:solidFill>
+              </a:rPr>
+              <a:t>componentDidMount</a:t>
+            </a:r>
+            <a:endParaRPr lang="zh-CN" altLang="en-US" sz="1200" dirty="0">
+              <a:solidFill>
+                <a:schemeClr val="accent2">
+                  <a:lumMod val="75000"/>
+                </a:schemeClr>
+              </a:solidFill>
+            </a:endParaRPr>
+          </a:p>
+        </p:txBody>
+      </p:sp>
+      <p:sp>
+        <p:nvSpPr>
+          <p:cNvPr id="14" name="圆角矩形 13"/>
+          <p:cNvSpPr/>
+          <p:nvPr/>
+        </p:nvSpPr>
+        <p:spPr>
+          <a:xfrm>
+            <a:off x="5188618" y="2399252"/>
+            <a:ext cx="2078316" cy="343948"/>
+          </a:xfrm>
+          <a:prstGeom prst="roundRect">
+            <a:avLst/>
+          </a:prstGeom>
+          <a:solidFill>
+            <a:srgbClr val="B3E8FF"/>
+          </a:solidFill>
+          <a:ln>
+            <a:solidFill>
+              <a:srgbClr val="8DC0CF"/>
+            </a:solidFill>
+          </a:ln>
+        </p:spPr>
+        <p:style>
+          <a:lnRef idx="2">
+            <a:schemeClr val="accent1">
+              <a:shade val="50000"/>
+            </a:schemeClr>
+          </a:lnRef>
+          <a:fillRef idx="1">
+            <a:schemeClr val="accent1"/>
+          </a:fillRef>
+          <a:effectRef idx="0">
+            <a:schemeClr val="accent1"/>
+          </a:effectRef>
+          <a:fontRef idx="minor">
+            <a:schemeClr val="lt1"/>
+          </a:fontRef>
+        </p:style>
+        <p:txBody>
+          <a:bodyPr rtlCol="0" anchor="ctr"/>
+          <a:lstStyle/>
+          <a:p>
+            <a:pPr algn="ctr"/>
+            <a:r>
+              <a:rPr lang="en-US" altLang="zh-CN" sz="1200" dirty="0" err="1" smtClean="0">
+                <a:solidFill>
+                  <a:schemeClr val="accent2">
+                    <a:lumMod val="75000"/>
+                  </a:schemeClr>
+                </a:solidFill>
+              </a:rPr>
+              <a:t>componentWillReceiveProps</a:t>
+            </a:r>
+            <a:endParaRPr lang="zh-CN" altLang="en-US" sz="1200" dirty="0">
+              <a:solidFill>
+                <a:schemeClr val="accent2">
+                  <a:lumMod val="75000"/>
+                </a:schemeClr>
+              </a:solidFill>
+            </a:endParaRPr>
+          </a:p>
+        </p:txBody>
+      </p:sp>
+      <p:sp>
+        <p:nvSpPr>
+          <p:cNvPr id="15" name="圆角矩形 14"/>
+          <p:cNvSpPr/>
+          <p:nvPr/>
+        </p:nvSpPr>
+        <p:spPr>
+          <a:xfrm>
+            <a:off x="5188618" y="3271386"/>
+            <a:ext cx="2078316" cy="343948"/>
+          </a:xfrm>
+          <a:prstGeom prst="roundRect">
+            <a:avLst/>
+          </a:prstGeom>
+          <a:solidFill>
+            <a:srgbClr val="F7C6C6"/>
+          </a:solidFill>
+          <a:ln>
+            <a:solidFill>
+              <a:srgbClr val="C0B0C9"/>
+            </a:solidFill>
+          </a:ln>
+        </p:spPr>
+        <p:style>
+          <a:lnRef idx="2">
+            <a:schemeClr val="accent1">
+              <a:shade val="50000"/>
+            </a:schemeClr>
+          </a:lnRef>
+          <a:fillRef idx="1">
+            <a:schemeClr val="accent1"/>
+          </a:fillRef>
+          <a:effectRef idx="0">
+            <a:schemeClr val="accent1"/>
+          </a:effectRef>
+          <a:fontRef idx="minor">
+            <a:schemeClr val="lt1"/>
+          </a:fontRef>
+        </p:style>
+        <p:txBody>
+          <a:bodyPr rtlCol="0" anchor="ctr"/>
+          <a:lstStyle/>
+          <a:p>
+            <a:pPr algn="ctr"/>
+            <a:r>
+              <a:rPr lang="en-US" altLang="zh-CN" sz="1200" dirty="0" err="1" smtClean="0">
+                <a:solidFill>
+                  <a:schemeClr val="accent2">
+                    <a:lumMod val="75000"/>
+                  </a:schemeClr>
+                </a:solidFill>
+              </a:rPr>
+              <a:t>shouldComponentUpdate</a:t>
+            </a:r>
+            <a:endParaRPr lang="zh-CN" altLang="en-US" sz="1200" dirty="0">
+              <a:solidFill>
+                <a:schemeClr val="accent2">
+                  <a:lumMod val="75000"/>
+                </a:schemeClr>
+              </a:solidFill>
+            </a:endParaRPr>
+          </a:p>
+        </p:txBody>
+      </p:sp>
+      <p:sp>
+        <p:nvSpPr>
+          <p:cNvPr id="16" name="圆角矩形 15"/>
+          <p:cNvSpPr/>
+          <p:nvPr/>
+        </p:nvSpPr>
+        <p:spPr>
+          <a:xfrm>
+            <a:off x="5188617" y="4139004"/>
+            <a:ext cx="2078316" cy="343948"/>
+          </a:xfrm>
+          <a:prstGeom prst="roundRect">
+            <a:avLst/>
+          </a:prstGeom>
+          <a:solidFill>
+            <a:srgbClr val="E0CFE6"/>
+          </a:solidFill>
+          <a:ln>
+            <a:solidFill>
+              <a:srgbClr val="C0B0C9"/>
+            </a:solidFill>
+          </a:ln>
+        </p:spPr>
+        <p:style>
+          <a:lnRef idx="2">
+            <a:schemeClr val="accent1">
+              <a:shade val="50000"/>
+            </a:schemeClr>
+          </a:lnRef>
+          <a:fillRef idx="1">
+            <a:schemeClr val="accent1"/>
+          </a:fillRef>
+          <a:effectRef idx="0">
+            <a:schemeClr val="accent1"/>
+          </a:effectRef>
+          <a:fontRef idx="minor">
+            <a:schemeClr val="lt1"/>
+          </a:fontRef>
+        </p:style>
+        <p:txBody>
+          <a:bodyPr rtlCol="0" anchor="ctr"/>
+          <a:lstStyle/>
+          <a:p>
+            <a:pPr algn="ctr"/>
+            <a:r>
+              <a:rPr lang="en-US" altLang="zh-CN" sz="1200" dirty="0" err="1" smtClean="0">
+                <a:solidFill>
+                  <a:schemeClr val="accent2">
+                    <a:lumMod val="75000"/>
+                  </a:schemeClr>
+                </a:solidFill>
+              </a:rPr>
+              <a:t>componentWillUpdate</a:t>
+            </a:r>
+            <a:endParaRPr lang="zh-CN" altLang="en-US" sz="1200" dirty="0">
+              <a:solidFill>
+                <a:schemeClr val="accent2">
+                  <a:lumMod val="75000"/>
+                </a:schemeClr>
+              </a:solidFill>
+            </a:endParaRPr>
+          </a:p>
+        </p:txBody>
+      </p:sp>
+      <p:sp>
+        <p:nvSpPr>
+          <p:cNvPr id="17" name="圆角矩形 16"/>
+          <p:cNvSpPr/>
+          <p:nvPr/>
+        </p:nvSpPr>
+        <p:spPr>
+          <a:xfrm>
+            <a:off x="5188616" y="5006622"/>
+            <a:ext cx="2078316" cy="343948"/>
+          </a:xfrm>
+          <a:prstGeom prst="roundRect">
+            <a:avLst/>
+          </a:prstGeom>
+          <a:solidFill>
+            <a:srgbClr val="CFE4D1"/>
+          </a:solidFill>
+          <a:ln>
+            <a:solidFill>
+              <a:srgbClr val="A6B79F"/>
+            </a:solidFill>
+          </a:ln>
+        </p:spPr>
+        <p:style>
+          <a:lnRef idx="2">
+            <a:schemeClr val="accent1">
+              <a:shade val="50000"/>
+            </a:schemeClr>
+          </a:lnRef>
+          <a:fillRef idx="1">
+            <a:schemeClr val="accent1"/>
+          </a:fillRef>
+          <a:effectRef idx="0">
+            <a:schemeClr val="accent1"/>
+          </a:effectRef>
+          <a:fontRef idx="minor">
+            <a:schemeClr val="lt1"/>
+          </a:fontRef>
+        </p:style>
+        <p:txBody>
+          <a:bodyPr rtlCol="0" anchor="ctr"/>
+          <a:lstStyle/>
+          <a:p>
+            <a:pPr algn="ctr"/>
+            <a:r>
+              <a:rPr lang="en-US" altLang="zh-CN" sz="1200" dirty="0" smtClean="0">
+                <a:solidFill>
+                  <a:schemeClr val="accent2">
+                    <a:lumMod val="75000"/>
+                  </a:schemeClr>
+                </a:solidFill>
+              </a:rPr>
+              <a:t>render</a:t>
+            </a:r>
+            <a:endParaRPr lang="zh-CN" altLang="en-US" sz="1200" dirty="0">
+              <a:solidFill>
+                <a:schemeClr val="accent2">
+                  <a:lumMod val="75000"/>
+                </a:schemeClr>
+              </a:solidFill>
+            </a:endParaRPr>
+          </a:p>
+        </p:txBody>
+      </p:sp>
+      <p:sp>
+        <p:nvSpPr>
+          <p:cNvPr id="18" name="圆角矩形 17"/>
+          <p:cNvSpPr/>
+          <p:nvPr/>
+        </p:nvSpPr>
+        <p:spPr>
+          <a:xfrm>
+            <a:off x="5188616" y="5874240"/>
+            <a:ext cx="2078316" cy="343948"/>
+          </a:xfrm>
+          <a:prstGeom prst="roundRect">
+            <a:avLst/>
+          </a:prstGeom>
+          <a:solidFill>
+            <a:srgbClr val="D4E3FA"/>
+          </a:solidFill>
+          <a:ln>
+            <a:solidFill>
+              <a:srgbClr val="8DC0CF"/>
+            </a:solidFill>
+          </a:ln>
+        </p:spPr>
+        <p:style>
+          <a:lnRef idx="2">
+            <a:schemeClr val="accent1">
+              <a:shade val="50000"/>
+            </a:schemeClr>
+          </a:lnRef>
+          <a:fillRef idx="1">
+            <a:schemeClr val="accent1"/>
+          </a:fillRef>
+          <a:effectRef idx="0">
+            <a:schemeClr val="accent1"/>
+          </a:effectRef>
+          <a:fontRef idx="minor">
+            <a:schemeClr val="lt1"/>
+          </a:fontRef>
+        </p:style>
+        <p:txBody>
+          <a:bodyPr rtlCol="0" anchor="ctr"/>
+          <a:lstStyle/>
+          <a:p>
+            <a:pPr algn="ctr"/>
+            <a:r>
+              <a:rPr lang="en-US" altLang="zh-CN" sz="1200" dirty="0" err="1" smtClean="0">
+                <a:solidFill>
+                  <a:schemeClr val="accent2">
+                    <a:lumMod val="75000"/>
+                  </a:schemeClr>
+                </a:solidFill>
+              </a:rPr>
+              <a:t>componentDidUpdate</a:t>
+            </a:r>
+            <a:endParaRPr lang="zh-CN" altLang="en-US" sz="1200" dirty="0">
+              <a:solidFill>
+                <a:schemeClr val="accent2">
+                  <a:lumMod val="75000"/>
+                </a:schemeClr>
+              </a:solidFill>
+            </a:endParaRPr>
+          </a:p>
+        </p:txBody>
+      </p:sp>
+      <p:sp>
+        <p:nvSpPr>
+          <p:cNvPr id="19" name="圆角矩形 18"/>
+          <p:cNvSpPr/>
+          <p:nvPr/>
+        </p:nvSpPr>
+        <p:spPr>
+          <a:xfrm>
+            <a:off x="7629945" y="2399252"/>
+            <a:ext cx="1946628" cy="343948"/>
+          </a:xfrm>
+          <a:prstGeom prst="roundRect">
+            <a:avLst/>
+          </a:prstGeom>
+          <a:solidFill>
+            <a:srgbClr val="F7C6C6"/>
+          </a:solidFill>
+          <a:ln>
+            <a:solidFill>
+              <a:srgbClr val="C0B0C9"/>
+            </a:solidFill>
+          </a:ln>
+        </p:spPr>
+        <p:style>
+          <a:lnRef idx="2">
+            <a:schemeClr val="accent1">
+              <a:shade val="50000"/>
+            </a:schemeClr>
+          </a:lnRef>
+          <a:fillRef idx="1">
+            <a:schemeClr val="accent1"/>
+          </a:fillRef>
+          <a:effectRef idx="0">
+            <a:schemeClr val="accent1"/>
+          </a:effectRef>
+          <a:fontRef idx="minor">
+            <a:schemeClr val="lt1"/>
+          </a:fontRef>
+        </p:style>
+        <p:txBody>
+          <a:bodyPr rtlCol="0" anchor="ctr"/>
+          <a:lstStyle/>
+          <a:p>
+            <a:pPr algn="ctr"/>
+            <a:r>
+              <a:rPr lang="en-US" altLang="zh-CN" sz="1200" dirty="0" err="1" smtClean="0">
+                <a:solidFill>
+                  <a:schemeClr val="accent2">
+                    <a:lumMod val="75000"/>
+                  </a:schemeClr>
+                </a:solidFill>
+              </a:rPr>
+              <a:t>shouldComponentUpdate</a:t>
+            </a:r>
+            <a:endParaRPr lang="zh-CN" altLang="en-US" sz="1200" dirty="0">
+              <a:solidFill>
+                <a:schemeClr val="accent2">
+                  <a:lumMod val="75000"/>
+                </a:schemeClr>
+              </a:solidFill>
+            </a:endParaRPr>
+          </a:p>
+        </p:txBody>
+      </p:sp>
+      <p:sp>
+        <p:nvSpPr>
+          <p:cNvPr id="20" name="圆角矩形 19"/>
+          <p:cNvSpPr/>
+          <p:nvPr/>
+        </p:nvSpPr>
+        <p:spPr>
+          <a:xfrm>
+            <a:off x="7629945" y="3271386"/>
+            <a:ext cx="1946628" cy="343948"/>
+          </a:xfrm>
+          <a:prstGeom prst="roundRect">
+            <a:avLst/>
+          </a:prstGeom>
+          <a:solidFill>
+            <a:srgbClr val="E0CFE6"/>
+          </a:solidFill>
+          <a:ln>
+            <a:solidFill>
+              <a:srgbClr val="C0B0C9"/>
+            </a:solidFill>
+          </a:ln>
+        </p:spPr>
+        <p:style>
+          <a:lnRef idx="2">
+            <a:schemeClr val="accent1">
+              <a:shade val="50000"/>
+            </a:schemeClr>
+          </a:lnRef>
+          <a:fillRef idx="1">
+            <a:schemeClr val="accent1"/>
+          </a:fillRef>
+          <a:effectRef idx="0">
+            <a:schemeClr val="accent1"/>
+          </a:effectRef>
+          <a:fontRef idx="minor">
+            <a:schemeClr val="lt1"/>
+          </a:fontRef>
+        </p:style>
+        <p:txBody>
+          <a:bodyPr rtlCol="0" anchor="ctr"/>
+          <a:lstStyle/>
+          <a:p>
+            <a:pPr algn="ctr"/>
+            <a:r>
+              <a:rPr lang="en-US" altLang="zh-CN" sz="1200" dirty="0" err="1" smtClean="0">
+                <a:solidFill>
+                  <a:schemeClr val="accent2">
+                    <a:lumMod val="75000"/>
+                  </a:schemeClr>
+                </a:solidFill>
+              </a:rPr>
+              <a:t>componentWillUpdate</a:t>
+            </a:r>
+            <a:endParaRPr lang="zh-CN" altLang="en-US" sz="1200" dirty="0">
+              <a:solidFill>
+                <a:schemeClr val="accent2">
+                  <a:lumMod val="75000"/>
+                </a:schemeClr>
+              </a:solidFill>
+            </a:endParaRPr>
+          </a:p>
+        </p:txBody>
+      </p:sp>
+      <p:sp>
+        <p:nvSpPr>
+          <p:cNvPr id="21" name="圆角矩形 20"/>
+          <p:cNvSpPr/>
+          <p:nvPr/>
+        </p:nvSpPr>
+        <p:spPr>
+          <a:xfrm>
+            <a:off x="7629944" y="4139004"/>
+            <a:ext cx="1946628" cy="343948"/>
+          </a:xfrm>
+          <a:prstGeom prst="roundRect">
+            <a:avLst/>
+          </a:prstGeom>
+          <a:solidFill>
+            <a:srgbClr val="CFE4D1"/>
+          </a:solidFill>
+          <a:ln>
+            <a:solidFill>
+              <a:srgbClr val="B8C6B2"/>
+            </a:solidFill>
+          </a:ln>
+        </p:spPr>
+        <p:style>
+          <a:lnRef idx="2">
+            <a:schemeClr val="accent1">
+              <a:shade val="50000"/>
+            </a:schemeClr>
+          </a:lnRef>
+          <a:fillRef idx="1">
+            <a:schemeClr val="accent1"/>
+          </a:fillRef>
+          <a:effectRef idx="0">
+            <a:schemeClr val="accent1"/>
+          </a:effectRef>
+          <a:fontRef idx="minor">
+            <a:schemeClr val="lt1"/>
+          </a:fontRef>
+        </p:style>
+        <p:txBody>
+          <a:bodyPr rtlCol="0" anchor="ctr"/>
+          <a:lstStyle/>
+          <a:p>
+            <a:pPr algn="ctr"/>
+            <a:r>
+              <a:rPr lang="en-US" altLang="zh-CN" sz="1200" dirty="0" smtClean="0">
+                <a:solidFill>
+                  <a:schemeClr val="accent2">
+                    <a:lumMod val="75000"/>
+                  </a:schemeClr>
+                </a:solidFill>
+              </a:rPr>
+              <a:t>render</a:t>
+            </a:r>
+            <a:endParaRPr lang="zh-CN" altLang="en-US" sz="1200" dirty="0">
+              <a:solidFill>
+                <a:schemeClr val="accent2">
+                  <a:lumMod val="75000"/>
+                </a:schemeClr>
+              </a:solidFill>
+            </a:endParaRPr>
+          </a:p>
+        </p:txBody>
+      </p:sp>
+      <p:sp>
+        <p:nvSpPr>
+          <p:cNvPr id="22" name="圆角矩形 21"/>
+          <p:cNvSpPr/>
+          <p:nvPr/>
+        </p:nvSpPr>
+        <p:spPr>
+          <a:xfrm>
+            <a:off x="7629943" y="5006622"/>
+            <a:ext cx="1946628" cy="343948"/>
+          </a:xfrm>
+          <a:prstGeom prst="roundRect">
+            <a:avLst/>
+          </a:prstGeom>
+          <a:solidFill>
+            <a:srgbClr val="D4E3FA"/>
+          </a:solidFill>
+          <a:ln>
+            <a:solidFill>
+              <a:srgbClr val="C0B0C9"/>
+            </a:solidFill>
+          </a:ln>
+        </p:spPr>
+        <p:style>
+          <a:lnRef idx="2">
+            <a:schemeClr val="accent1">
+              <a:shade val="50000"/>
+            </a:schemeClr>
+          </a:lnRef>
+          <a:fillRef idx="1">
+            <a:schemeClr val="accent1"/>
+          </a:fillRef>
+          <a:effectRef idx="0">
+            <a:schemeClr val="accent1"/>
+          </a:effectRef>
+          <a:fontRef idx="minor">
+            <a:schemeClr val="lt1"/>
+          </a:fontRef>
+        </p:style>
+        <p:txBody>
+          <a:bodyPr rtlCol="0" anchor="ctr"/>
+          <a:lstStyle/>
+          <a:p>
+            <a:pPr algn="ctr"/>
+            <a:r>
+              <a:rPr lang="en-US" altLang="zh-CN" sz="1200" dirty="0" err="1">
+                <a:solidFill>
+                  <a:schemeClr val="accent2">
+                    <a:lumMod val="75000"/>
+                  </a:schemeClr>
+                </a:solidFill>
+              </a:rPr>
+              <a:t>componentDidUpdate</a:t>
+            </a:r>
+            <a:endParaRPr lang="zh-CN" altLang="en-US" sz="1200" dirty="0">
+              <a:solidFill>
+                <a:schemeClr val="accent2">
+                  <a:lumMod val="75000"/>
+                </a:schemeClr>
+              </a:solidFill>
+            </a:endParaRPr>
+          </a:p>
+        </p:txBody>
+      </p:sp>
+      <p:sp>
+        <p:nvSpPr>
+          <p:cNvPr id="23" name="圆角矩形 22"/>
+          <p:cNvSpPr/>
+          <p:nvPr/>
+        </p:nvSpPr>
+        <p:spPr>
+          <a:xfrm>
+            <a:off x="10080068" y="2399252"/>
+            <a:ext cx="1971413" cy="343948"/>
+          </a:xfrm>
+          <a:prstGeom prst="roundRect">
+            <a:avLst/>
+          </a:prstGeom>
+          <a:solidFill>
+            <a:srgbClr val="E0CFE6"/>
+          </a:solidFill>
+          <a:ln>
+            <a:solidFill>
+              <a:srgbClr val="C0B0C9"/>
+            </a:solidFill>
+          </a:ln>
+        </p:spPr>
+        <p:style>
+          <a:lnRef idx="2">
+            <a:schemeClr val="accent1">
+              <a:shade val="50000"/>
+            </a:schemeClr>
+          </a:lnRef>
+          <a:fillRef idx="1">
+            <a:schemeClr val="accent1"/>
+          </a:fillRef>
+          <a:effectRef idx="0">
+            <a:schemeClr val="accent1"/>
+          </a:effectRef>
+          <a:fontRef idx="minor">
+            <a:schemeClr val="lt1"/>
+          </a:fontRef>
+        </p:style>
+        <p:txBody>
+          <a:bodyPr rtlCol="0" anchor="ctr"/>
+          <a:lstStyle/>
+          <a:p>
+            <a:pPr algn="ctr"/>
+            <a:r>
+              <a:rPr lang="en-US" altLang="zh-CN" sz="1200" dirty="0" err="1" smtClean="0">
+                <a:solidFill>
+                  <a:schemeClr val="accent2">
+                    <a:lumMod val="50000"/>
+                  </a:schemeClr>
+                </a:solidFill>
+              </a:rPr>
+              <a:t>componentWillUnmount</a:t>
+            </a:r>
+            <a:endParaRPr lang="zh-CN" altLang="en-US" sz="1200" dirty="0">
+              <a:solidFill>
+                <a:schemeClr val="accent2">
+                  <a:lumMod val="50000"/>
+                </a:schemeClr>
+              </a:solidFill>
+            </a:endParaRPr>
+          </a:p>
+        </p:txBody>
+      </p:sp>
+      <p:cxnSp>
+        <p:nvCxnSpPr>
+          <p:cNvPr id="26" name="直接连接符 25"/>
+          <p:cNvCxnSpPr/>
+          <p:nvPr/>
+        </p:nvCxnSpPr>
+        <p:spPr>
+          <a:xfrm>
+            <a:off x="4886232" y="926662"/>
+            <a:ext cx="8389" cy="5440582"/>
+          </a:xfrm>
+          <a:prstGeom prst="line">
+            <a:avLst/>
+          </a:prstGeom>
+          <a:ln w="9525">
+            <a:prstDash val="dash"/>
+          </a:ln>
+        </p:spPr>
+        <p:style>
+          <a:lnRef idx="1">
+            <a:schemeClr val="accent1"/>
+          </a:lnRef>
+          <a:fillRef idx="0">
+            <a:schemeClr val="accent1"/>
+          </a:fillRef>
+          <a:effectRef idx="0">
+            <a:schemeClr val="accent1"/>
+          </a:effectRef>
+          <a:fontRef idx="minor">
+            <a:schemeClr val="tx1"/>
+          </a:fontRef>
+        </p:style>
+      </p:cxnSp>
+      <p:cxnSp>
+        <p:nvCxnSpPr>
+          <p:cNvPr id="27" name="直接连接符 26"/>
+          <p:cNvCxnSpPr/>
+          <p:nvPr/>
+        </p:nvCxnSpPr>
+        <p:spPr>
+          <a:xfrm>
+            <a:off x="9880829" y="895043"/>
+            <a:ext cx="8389" cy="5440582"/>
+          </a:xfrm>
+          <a:prstGeom prst="line">
+            <a:avLst/>
+          </a:prstGeom>
+          <a:ln w="9525">
+            <a:prstDash val="dash"/>
+          </a:ln>
+        </p:spPr>
+        <p:style>
+          <a:lnRef idx="1">
+            <a:schemeClr val="accent1"/>
+          </a:lnRef>
+          <a:fillRef idx="0">
+            <a:schemeClr val="accent1"/>
+          </a:fillRef>
+          <a:effectRef idx="0">
+            <a:schemeClr val="accent1"/>
+          </a:effectRef>
+          <a:fontRef idx="minor">
+            <a:schemeClr val="tx1"/>
+          </a:fontRef>
+        </p:style>
+      </p:cxnSp>
+      <p:sp>
+        <p:nvSpPr>
+          <p:cNvPr id="28" name="文本框 27"/>
+          <p:cNvSpPr txBox="1"/>
+          <p:nvPr/>
+        </p:nvSpPr>
+        <p:spPr>
+          <a:xfrm>
+            <a:off x="5833765" y="1760608"/>
+            <a:ext cx="1744910" cy="369332"/>
+          </a:xfrm>
+          <a:prstGeom prst="rect">
+            <a:avLst/>
+          </a:prstGeom>
+          <a:noFill/>
+        </p:spPr>
+        <p:txBody>
+          <a:bodyPr wrap="square" rtlCol="0">
+            <a:spAutoFit/>
+          </a:bodyPr>
+          <a:lstStyle/>
+          <a:p>
+            <a:r>
+              <a:rPr lang="en-US" altLang="zh-CN" dirty="0" smtClean="0"/>
+              <a:t>props</a:t>
+            </a:r>
+          </a:p>
+        </p:txBody>
+      </p:sp>
+      <p:sp>
+        <p:nvSpPr>
+          <p:cNvPr id="29" name="文本框 28"/>
+          <p:cNvSpPr txBox="1"/>
+          <p:nvPr/>
+        </p:nvSpPr>
+        <p:spPr>
+          <a:xfrm>
+            <a:off x="8157238" y="1753621"/>
+            <a:ext cx="1744910" cy="369332"/>
+          </a:xfrm>
+          <a:prstGeom prst="rect">
+            <a:avLst/>
+          </a:prstGeom>
+          <a:noFill/>
+        </p:spPr>
+        <p:txBody>
+          <a:bodyPr wrap="square" rtlCol="0">
+            <a:spAutoFit/>
+          </a:bodyPr>
+          <a:lstStyle/>
+          <a:p>
+            <a:r>
+              <a:rPr lang="en-US" altLang="zh-CN" dirty="0" smtClean="0"/>
+              <a:t>states</a:t>
+            </a:r>
+          </a:p>
+        </p:txBody>
+      </p:sp>
+      <p:cxnSp>
+        <p:nvCxnSpPr>
+          <p:cNvPr id="31" name="直接箭头连接符 30"/>
+          <p:cNvCxnSpPr>
+            <a:endCxn id="12" idx="0"/>
+          </p:cNvCxnSpPr>
+          <p:nvPr/>
+        </p:nvCxnSpPr>
+        <p:spPr>
+          <a:xfrm>
+            <a:off x="3607963" y="2743200"/>
+            <a:ext cx="1" cy="528186"/>
+          </a:xfrm>
+          <a:prstGeom prst="straightConnector1">
+            <a:avLst/>
+          </a:prstGeom>
+          <a:ln>
+            <a:tailEnd type="triangle"/>
+          </a:ln>
+        </p:spPr>
+        <p:style>
+          <a:lnRef idx="1">
+            <a:schemeClr val="accent1"/>
+          </a:lnRef>
+          <a:fillRef idx="0">
+            <a:schemeClr val="accent1"/>
+          </a:fillRef>
+          <a:effectRef idx="0">
+            <a:schemeClr val="accent1"/>
+          </a:effectRef>
+          <a:fontRef idx="minor">
+            <a:schemeClr val="tx1"/>
+          </a:fontRef>
+        </p:style>
+      </p:cxnSp>
+      <p:cxnSp>
+        <p:nvCxnSpPr>
+          <p:cNvPr id="33" name="直接箭头连接符 32"/>
+          <p:cNvCxnSpPr>
+            <a:stCxn id="12" idx="2"/>
+            <a:endCxn id="13" idx="0"/>
+          </p:cNvCxnSpPr>
+          <p:nvPr/>
+        </p:nvCxnSpPr>
+        <p:spPr>
+          <a:xfrm>
+            <a:off x="3607964" y="3615334"/>
+            <a:ext cx="0" cy="523670"/>
+          </a:xfrm>
+          <a:prstGeom prst="straightConnector1">
+            <a:avLst/>
+          </a:prstGeom>
+          <a:ln>
+            <a:tailEnd type="triangle"/>
+          </a:ln>
+        </p:spPr>
+        <p:style>
+          <a:lnRef idx="1">
+            <a:schemeClr val="accent1"/>
+          </a:lnRef>
+          <a:fillRef idx="0">
+            <a:schemeClr val="accent1"/>
+          </a:fillRef>
+          <a:effectRef idx="0">
+            <a:schemeClr val="accent1"/>
+          </a:effectRef>
+          <a:fontRef idx="minor">
+            <a:schemeClr val="tx1"/>
+          </a:fontRef>
+        </p:style>
+      </p:cxnSp>
+      <p:cxnSp>
+        <p:nvCxnSpPr>
+          <p:cNvPr id="35" name="直接箭头连接符 34"/>
+          <p:cNvCxnSpPr>
+            <a:stCxn id="14" idx="2"/>
+            <a:endCxn id="15" idx="0"/>
+          </p:cNvCxnSpPr>
+          <p:nvPr/>
+        </p:nvCxnSpPr>
+        <p:spPr>
+          <a:xfrm>
+            <a:off x="6227776" y="2743200"/>
+            <a:ext cx="0" cy="528186"/>
+          </a:xfrm>
+          <a:prstGeom prst="straightConnector1">
+            <a:avLst/>
+          </a:prstGeom>
+          <a:ln>
+            <a:tailEnd type="triangle"/>
+          </a:ln>
+        </p:spPr>
+        <p:style>
+          <a:lnRef idx="1">
+            <a:schemeClr val="accent1"/>
+          </a:lnRef>
+          <a:fillRef idx="0">
+            <a:schemeClr val="accent1"/>
+          </a:fillRef>
+          <a:effectRef idx="0">
+            <a:schemeClr val="accent1"/>
+          </a:effectRef>
+          <a:fontRef idx="minor">
+            <a:schemeClr val="tx1"/>
+          </a:fontRef>
+        </p:style>
+      </p:cxnSp>
+      <p:cxnSp>
+        <p:nvCxnSpPr>
+          <p:cNvPr id="37" name="直接箭头连接符 36"/>
+          <p:cNvCxnSpPr/>
+          <p:nvPr/>
+        </p:nvCxnSpPr>
+        <p:spPr>
+          <a:xfrm>
+            <a:off x="5687736" y="3615334"/>
+            <a:ext cx="0" cy="523670"/>
+          </a:xfrm>
+          <a:prstGeom prst="straightConnector1">
+            <a:avLst/>
+          </a:prstGeom>
+          <a:ln>
+            <a:tailEnd type="triangle"/>
+          </a:ln>
+        </p:spPr>
+        <p:style>
+          <a:lnRef idx="1">
+            <a:schemeClr val="accent1"/>
+          </a:lnRef>
+          <a:fillRef idx="0">
+            <a:schemeClr val="accent1"/>
+          </a:fillRef>
+          <a:effectRef idx="0">
+            <a:schemeClr val="accent1"/>
+          </a:effectRef>
+          <a:fontRef idx="minor">
+            <a:schemeClr val="tx1"/>
+          </a:fontRef>
+        </p:style>
+      </p:cxnSp>
+      <p:cxnSp>
+        <p:nvCxnSpPr>
+          <p:cNvPr id="39" name="直接箭头连接符 38"/>
+          <p:cNvCxnSpPr/>
+          <p:nvPr/>
+        </p:nvCxnSpPr>
+        <p:spPr>
+          <a:xfrm>
+            <a:off x="6778305" y="3604624"/>
+            <a:ext cx="0" cy="369685"/>
+          </a:xfrm>
+          <a:prstGeom prst="straightConnector1">
+            <a:avLst/>
+          </a:prstGeom>
+          <a:ln>
+            <a:tailEnd type="triangle"/>
+          </a:ln>
+        </p:spPr>
+        <p:style>
+          <a:lnRef idx="1">
+            <a:schemeClr val="accent1"/>
+          </a:lnRef>
+          <a:fillRef idx="0">
+            <a:schemeClr val="accent1"/>
+          </a:fillRef>
+          <a:effectRef idx="0">
+            <a:schemeClr val="accent1"/>
+          </a:effectRef>
+          <a:fontRef idx="minor">
+            <a:schemeClr val="tx1"/>
+          </a:fontRef>
+        </p:style>
+      </p:cxnSp>
+      <p:cxnSp>
+        <p:nvCxnSpPr>
+          <p:cNvPr id="41" name="直接箭头连接符 40"/>
+          <p:cNvCxnSpPr>
+            <a:stCxn id="16" idx="2"/>
+            <a:endCxn id="17" idx="0"/>
+          </p:cNvCxnSpPr>
+          <p:nvPr/>
+        </p:nvCxnSpPr>
+        <p:spPr>
+          <a:xfrm flipH="1">
+            <a:off x="6227774" y="4482952"/>
+            <a:ext cx="1" cy="523670"/>
+          </a:xfrm>
+          <a:prstGeom prst="straightConnector1">
+            <a:avLst/>
+          </a:prstGeom>
+          <a:ln>
+            <a:tailEnd type="triangle"/>
+          </a:ln>
+        </p:spPr>
+        <p:style>
+          <a:lnRef idx="1">
+            <a:schemeClr val="accent1"/>
+          </a:lnRef>
+          <a:fillRef idx="0">
+            <a:schemeClr val="accent1"/>
+          </a:fillRef>
+          <a:effectRef idx="0">
+            <a:schemeClr val="accent1"/>
+          </a:effectRef>
+          <a:fontRef idx="minor">
+            <a:schemeClr val="tx1"/>
+          </a:fontRef>
+        </p:style>
+      </p:cxnSp>
+      <p:cxnSp>
+        <p:nvCxnSpPr>
+          <p:cNvPr id="43" name="直接箭头连接符 42"/>
+          <p:cNvCxnSpPr>
+            <a:stCxn id="17" idx="2"/>
+            <a:endCxn id="18" idx="0"/>
+          </p:cNvCxnSpPr>
+          <p:nvPr/>
+        </p:nvCxnSpPr>
+        <p:spPr>
+          <a:xfrm>
+            <a:off x="6227774" y="5350570"/>
+            <a:ext cx="0" cy="523670"/>
+          </a:xfrm>
+          <a:prstGeom prst="straightConnector1">
+            <a:avLst/>
+          </a:prstGeom>
+          <a:ln>
+            <a:tailEnd type="triangle"/>
+          </a:ln>
+        </p:spPr>
+        <p:style>
+          <a:lnRef idx="1">
+            <a:schemeClr val="accent1"/>
+          </a:lnRef>
+          <a:fillRef idx="0">
+            <a:schemeClr val="accent1"/>
+          </a:fillRef>
+          <a:effectRef idx="0">
+            <a:schemeClr val="accent1"/>
+          </a:effectRef>
+          <a:fontRef idx="minor">
+            <a:schemeClr val="tx1"/>
+          </a:fontRef>
+        </p:style>
+      </p:cxnSp>
+      <p:cxnSp>
+        <p:nvCxnSpPr>
+          <p:cNvPr id="45" name="直接箭头连接符 44"/>
+          <p:cNvCxnSpPr/>
+          <p:nvPr/>
+        </p:nvCxnSpPr>
+        <p:spPr>
+          <a:xfrm>
+            <a:off x="8053431" y="2743200"/>
+            <a:ext cx="0" cy="528186"/>
+          </a:xfrm>
+          <a:prstGeom prst="straightConnector1">
+            <a:avLst/>
+          </a:prstGeom>
+          <a:ln>
+            <a:tailEnd type="triangle"/>
+          </a:ln>
+        </p:spPr>
+        <p:style>
+          <a:lnRef idx="1">
+            <a:schemeClr val="accent1"/>
+          </a:lnRef>
+          <a:fillRef idx="0">
+            <a:schemeClr val="accent1"/>
+          </a:fillRef>
+          <a:effectRef idx="0">
+            <a:schemeClr val="accent1"/>
+          </a:effectRef>
+          <a:fontRef idx="minor">
+            <a:schemeClr val="tx1"/>
+          </a:fontRef>
+        </p:style>
+      </p:cxnSp>
+      <p:cxnSp>
+        <p:nvCxnSpPr>
+          <p:cNvPr id="47" name="直接箭头连接符 46"/>
+          <p:cNvCxnSpPr/>
+          <p:nvPr/>
+        </p:nvCxnSpPr>
+        <p:spPr>
+          <a:xfrm>
+            <a:off x="9177556" y="2748494"/>
+            <a:ext cx="0" cy="396834"/>
+          </a:xfrm>
+          <a:prstGeom prst="straightConnector1">
+            <a:avLst/>
+          </a:prstGeom>
+          <a:ln>
+            <a:tailEnd type="triangle"/>
+          </a:ln>
+        </p:spPr>
+        <p:style>
+          <a:lnRef idx="1">
+            <a:schemeClr val="accent1"/>
+          </a:lnRef>
+          <a:fillRef idx="0">
+            <a:schemeClr val="accent1"/>
+          </a:fillRef>
+          <a:effectRef idx="0">
+            <a:schemeClr val="accent1"/>
+          </a:effectRef>
+          <a:fontRef idx="minor">
+            <a:schemeClr val="tx1"/>
+          </a:fontRef>
+        </p:style>
+      </p:cxnSp>
+      <p:cxnSp>
+        <p:nvCxnSpPr>
+          <p:cNvPr id="51" name="直接箭头连接符 50"/>
+          <p:cNvCxnSpPr>
+            <a:stCxn id="20" idx="2"/>
+            <a:endCxn id="21" idx="0"/>
+          </p:cNvCxnSpPr>
+          <p:nvPr/>
+        </p:nvCxnSpPr>
+        <p:spPr>
+          <a:xfrm flipH="1">
+            <a:off x="8603258" y="3615334"/>
+            <a:ext cx="1" cy="523670"/>
+          </a:xfrm>
+          <a:prstGeom prst="straightConnector1">
+            <a:avLst/>
+          </a:prstGeom>
+          <a:ln>
+            <a:tailEnd type="triangle"/>
+          </a:ln>
+        </p:spPr>
+        <p:style>
+          <a:lnRef idx="1">
+            <a:schemeClr val="accent1"/>
+          </a:lnRef>
+          <a:fillRef idx="0">
+            <a:schemeClr val="accent1"/>
+          </a:fillRef>
+          <a:effectRef idx="0">
+            <a:schemeClr val="accent1"/>
+          </a:effectRef>
+          <a:fontRef idx="minor">
+            <a:schemeClr val="tx1"/>
+          </a:fontRef>
+        </p:style>
+      </p:cxnSp>
+      <p:cxnSp>
+        <p:nvCxnSpPr>
+          <p:cNvPr id="53" name="直接箭头连接符 52"/>
+          <p:cNvCxnSpPr>
+            <a:stCxn id="21" idx="2"/>
+            <a:endCxn id="22" idx="0"/>
+          </p:cNvCxnSpPr>
+          <p:nvPr/>
+        </p:nvCxnSpPr>
+        <p:spPr>
+          <a:xfrm flipH="1">
+            <a:off x="8603257" y="4482952"/>
+            <a:ext cx="1" cy="523670"/>
+          </a:xfrm>
+          <a:prstGeom prst="straightConnector1">
+            <a:avLst/>
+          </a:prstGeom>
+          <a:ln>
+            <a:tailEnd type="triangle"/>
+          </a:ln>
+        </p:spPr>
+        <p:style>
+          <a:lnRef idx="1">
+            <a:schemeClr val="accent1"/>
+          </a:lnRef>
+          <a:fillRef idx="0">
+            <a:schemeClr val="accent1"/>
+          </a:fillRef>
+          <a:effectRef idx="0">
+            <a:schemeClr val="accent1"/>
+          </a:effectRef>
+          <a:fontRef idx="minor">
+            <a:schemeClr val="tx1"/>
+          </a:fontRef>
+        </p:style>
+      </p:cxnSp>
+      <p:sp>
+        <p:nvSpPr>
+          <p:cNvPr id="55" name="文本框 54"/>
+          <p:cNvSpPr txBox="1"/>
+          <p:nvPr/>
+        </p:nvSpPr>
+        <p:spPr>
+          <a:xfrm>
+            <a:off x="5174501" y="3699212"/>
+            <a:ext cx="1744910" cy="369332"/>
+          </a:xfrm>
+          <a:prstGeom prst="rect">
+            <a:avLst/>
+          </a:prstGeom>
+          <a:noFill/>
+        </p:spPr>
+        <p:txBody>
+          <a:bodyPr wrap="square" rtlCol="0">
+            <a:spAutoFit/>
+          </a:bodyPr>
+          <a:lstStyle/>
+          <a:p>
+            <a:r>
+              <a:rPr lang="en-US" altLang="zh-CN" dirty="0" smtClean="0">
+                <a:solidFill>
+                  <a:schemeClr val="accent6">
+                    <a:lumMod val="75000"/>
+                  </a:schemeClr>
+                </a:solidFill>
+              </a:rPr>
+              <a:t>true</a:t>
+            </a:r>
+          </a:p>
+        </p:txBody>
+      </p:sp>
+      <p:sp>
+        <p:nvSpPr>
+          <p:cNvPr id="56" name="文本框 55"/>
+          <p:cNvSpPr txBox="1"/>
+          <p:nvPr/>
+        </p:nvSpPr>
+        <p:spPr>
+          <a:xfrm>
+            <a:off x="6788441" y="3690402"/>
+            <a:ext cx="1744910" cy="369332"/>
+          </a:xfrm>
+          <a:prstGeom prst="rect">
+            <a:avLst/>
+          </a:prstGeom>
+          <a:noFill/>
+        </p:spPr>
+        <p:txBody>
+          <a:bodyPr wrap="square" rtlCol="0">
+            <a:spAutoFit/>
+          </a:bodyPr>
+          <a:lstStyle/>
+          <a:p>
+            <a:r>
+              <a:rPr lang="en-US" altLang="zh-CN" dirty="0" smtClean="0">
+                <a:solidFill>
+                  <a:srgbClr val="C00000"/>
+                </a:solidFill>
+              </a:rPr>
+              <a:t>false</a:t>
+            </a:r>
+          </a:p>
+        </p:txBody>
+      </p:sp>
+      <p:sp>
+        <p:nvSpPr>
+          <p:cNvPr id="57" name="文本框 56"/>
+          <p:cNvSpPr txBox="1"/>
+          <p:nvPr/>
+        </p:nvSpPr>
+        <p:spPr>
+          <a:xfrm>
+            <a:off x="7545337" y="2814180"/>
+            <a:ext cx="1744910" cy="369332"/>
+          </a:xfrm>
+          <a:prstGeom prst="rect">
+            <a:avLst/>
+          </a:prstGeom>
+          <a:noFill/>
+        </p:spPr>
+        <p:txBody>
+          <a:bodyPr wrap="square" rtlCol="0">
+            <a:spAutoFit/>
+          </a:bodyPr>
+          <a:lstStyle/>
+          <a:p>
+            <a:r>
+              <a:rPr lang="en-US" altLang="zh-CN" dirty="0" smtClean="0">
+                <a:solidFill>
+                  <a:schemeClr val="accent6">
+                    <a:lumMod val="75000"/>
+                  </a:schemeClr>
+                </a:solidFill>
+              </a:rPr>
+              <a:t>true</a:t>
+            </a:r>
+          </a:p>
+        </p:txBody>
+      </p:sp>
+      <p:sp>
+        <p:nvSpPr>
+          <p:cNvPr id="58" name="文本框 57"/>
+          <p:cNvSpPr txBox="1"/>
+          <p:nvPr/>
+        </p:nvSpPr>
+        <p:spPr>
+          <a:xfrm>
+            <a:off x="9159277" y="2805370"/>
+            <a:ext cx="1744910" cy="369332"/>
+          </a:xfrm>
+          <a:prstGeom prst="rect">
+            <a:avLst/>
+          </a:prstGeom>
+          <a:noFill/>
+        </p:spPr>
+        <p:txBody>
+          <a:bodyPr wrap="square" rtlCol="0">
+            <a:spAutoFit/>
+          </a:bodyPr>
+          <a:lstStyle/>
+          <a:p>
+            <a:r>
+              <a:rPr lang="en-US" altLang="zh-CN" dirty="0" smtClean="0">
+                <a:solidFill>
+                  <a:srgbClr val="C00000"/>
+                </a:solidFill>
+              </a:rPr>
+              <a:t>false</a:t>
+            </a:r>
+          </a:p>
+        </p:txBody>
+      </p:sp>
+      <p:sp>
+        <p:nvSpPr>
+          <p:cNvPr id="60" name="文本框 59"/>
+          <p:cNvSpPr txBox="1"/>
+          <p:nvPr/>
+        </p:nvSpPr>
+        <p:spPr>
+          <a:xfrm>
+            <a:off x="8979854" y="2886148"/>
+            <a:ext cx="1744910" cy="523220"/>
+          </a:xfrm>
+          <a:prstGeom prst="rect">
+            <a:avLst/>
+          </a:prstGeom>
+          <a:noFill/>
+        </p:spPr>
+        <p:txBody>
+          <a:bodyPr wrap="square" rtlCol="0">
+            <a:spAutoFit/>
+          </a:bodyPr>
+          <a:lstStyle/>
+          <a:p>
+            <a:r>
+              <a:rPr lang="en-US" altLang="zh-CN" sz="2800" dirty="0" smtClean="0">
+                <a:solidFill>
+                  <a:srgbClr val="C00000"/>
+                </a:solidFill>
+              </a:rPr>
+              <a:t>×</a:t>
+            </a:r>
+          </a:p>
+        </p:txBody>
+      </p:sp>
+      <p:sp>
+        <p:nvSpPr>
+          <p:cNvPr id="61" name="文本框 60"/>
+          <p:cNvSpPr txBox="1"/>
+          <p:nvPr/>
+        </p:nvSpPr>
+        <p:spPr>
+          <a:xfrm>
+            <a:off x="6568842" y="3733352"/>
+            <a:ext cx="1744910" cy="523220"/>
+          </a:xfrm>
+          <a:prstGeom prst="rect">
+            <a:avLst/>
+          </a:prstGeom>
+          <a:noFill/>
+        </p:spPr>
+        <p:txBody>
+          <a:bodyPr wrap="square" rtlCol="0">
+            <a:spAutoFit/>
+          </a:bodyPr>
+          <a:lstStyle/>
+          <a:p>
+            <a:r>
+              <a:rPr lang="en-US" altLang="zh-CN" sz="2800" dirty="0" smtClean="0">
+                <a:solidFill>
+                  <a:srgbClr val="C00000"/>
+                </a:solidFill>
+              </a:rPr>
+              <a:t>×</a:t>
+            </a:r>
+          </a:p>
+        </p:txBody>
+      </p:sp>
+    </p:spTree>
+    <p:extLst>
+      <p:ext uri="{BB962C8B-B14F-4D97-AF65-F5344CB8AC3E}">
+        <p14:creationId xmlns:p14="http://schemas.microsoft.com/office/powerpoint/2010/main" val="1947874565"/>
       </p:ext>
     </p:extLst>
   </p:cSld>
@@ -12060,6 +13906,186 @@
     <p:extLst>
       <p:ext uri="{BB962C8B-B14F-4D97-AF65-F5344CB8AC3E}">
         <p14:creationId xmlns:p14="http://schemas.microsoft.com/office/powerpoint/2010/main" val="1226723384"/>
+      </p:ext>
+    </p:extLst>
+  </p:cSld>
+  <p:clrMapOvr>
+    <a:masterClrMapping/>
+  </p:clrMapOvr>
+</p:sld>
+</file>
+
+<file path=ppt/slides/slide20.xml><?xml version="1.0" encoding="utf-8"?>
+<p:sld xmlns:a="http://schemas.openxmlformats.org/drawingml/2006/main" xmlns:r="http://schemas.openxmlformats.org/officeDocument/2006/relationships" xmlns:p="http://schemas.openxmlformats.org/presentationml/2006/main">
+  <p:cSld>
+    <p:spTree>
+      <p:nvGrpSpPr>
+        <p:cNvPr id="1" name=""/>
+        <p:cNvGrpSpPr/>
+        <p:nvPr/>
+      </p:nvGrpSpPr>
+      <p:grpSpPr>
+        <a:xfrm>
+          <a:off x="0" y="0"/>
+          <a:ext cx="0" cy="0"/>
+          <a:chOff x="0" y="0"/>
+          <a:chExt cx="0" cy="0"/>
+        </a:xfrm>
+      </p:grpSpPr>
+    </p:spTree>
+    <p:extLst>
+      <p:ext uri="{BB962C8B-B14F-4D97-AF65-F5344CB8AC3E}">
+        <p14:creationId xmlns:p14="http://schemas.microsoft.com/office/powerpoint/2010/main" val="2745146490"/>
+      </p:ext>
+    </p:extLst>
+  </p:cSld>
+  <p:clrMapOvr>
+    <a:masterClrMapping/>
+  </p:clrMapOvr>
+</p:sld>
+</file>
+
+<file path=ppt/slides/slide21.xml><?xml version="1.0" encoding="utf-8"?>
+<p:sld xmlns:a="http://schemas.openxmlformats.org/drawingml/2006/main" xmlns:r="http://schemas.openxmlformats.org/officeDocument/2006/relationships" xmlns:p="http://schemas.openxmlformats.org/presentationml/2006/main">
+  <p:cSld>
+    <p:spTree>
+      <p:nvGrpSpPr>
+        <p:cNvPr id="1" name=""/>
+        <p:cNvGrpSpPr/>
+        <p:nvPr/>
+      </p:nvGrpSpPr>
+      <p:grpSpPr>
+        <a:xfrm>
+          <a:off x="0" y="0"/>
+          <a:ext cx="0" cy="0"/>
+          <a:chOff x="0" y="0"/>
+          <a:chExt cx="0" cy="0"/>
+        </a:xfrm>
+      </p:grpSpPr>
+    </p:spTree>
+    <p:extLst>
+      <p:ext uri="{BB962C8B-B14F-4D97-AF65-F5344CB8AC3E}">
+        <p14:creationId xmlns:p14="http://schemas.microsoft.com/office/powerpoint/2010/main" val="545687828"/>
+      </p:ext>
+    </p:extLst>
+  </p:cSld>
+  <p:clrMapOvr>
+    <a:masterClrMapping/>
+  </p:clrMapOvr>
+</p:sld>
+</file>
+
+<file path=ppt/slides/slide22.xml><?xml version="1.0" encoding="utf-8"?>
+<p:sld xmlns:a="http://schemas.openxmlformats.org/drawingml/2006/main" xmlns:r="http://schemas.openxmlformats.org/officeDocument/2006/relationships" xmlns:p="http://schemas.openxmlformats.org/presentationml/2006/main">
+  <p:cSld>
+    <p:spTree>
+      <p:nvGrpSpPr>
+        <p:cNvPr id="1" name=""/>
+        <p:cNvGrpSpPr/>
+        <p:nvPr/>
+      </p:nvGrpSpPr>
+      <p:grpSpPr>
+        <a:xfrm>
+          <a:off x="0" y="0"/>
+          <a:ext cx="0" cy="0"/>
+          <a:chOff x="0" y="0"/>
+          <a:chExt cx="0" cy="0"/>
+        </a:xfrm>
+      </p:grpSpPr>
+    </p:spTree>
+    <p:extLst>
+      <p:ext uri="{BB962C8B-B14F-4D97-AF65-F5344CB8AC3E}">
+        <p14:creationId xmlns:p14="http://schemas.microsoft.com/office/powerpoint/2010/main" val="1972006487"/>
+      </p:ext>
+    </p:extLst>
+  </p:cSld>
+  <p:clrMapOvr>
+    <a:masterClrMapping/>
+  </p:clrMapOvr>
+</p:sld>
+</file>
+
+<file path=ppt/slides/slide23.xml><?xml version="1.0" encoding="utf-8"?>
+<p:sld xmlns:a="http://schemas.openxmlformats.org/drawingml/2006/main" xmlns:r="http://schemas.openxmlformats.org/officeDocument/2006/relationships" xmlns:p="http://schemas.openxmlformats.org/presentationml/2006/main">
+  <p:cSld>
+    <p:spTree>
+      <p:nvGrpSpPr>
+        <p:cNvPr id="1" name=""/>
+        <p:cNvGrpSpPr/>
+        <p:nvPr/>
+      </p:nvGrpSpPr>
+      <p:grpSpPr>
+        <a:xfrm>
+          <a:off x="0" y="0"/>
+          <a:ext cx="0" cy="0"/>
+          <a:chOff x="0" y="0"/>
+          <a:chExt cx="0" cy="0"/>
+        </a:xfrm>
+      </p:grpSpPr>
+    </p:spTree>
+    <p:extLst>
+      <p:ext uri="{BB962C8B-B14F-4D97-AF65-F5344CB8AC3E}">
+        <p14:creationId xmlns:p14="http://schemas.microsoft.com/office/powerpoint/2010/main" val="1305725199"/>
+      </p:ext>
+    </p:extLst>
+  </p:cSld>
+  <p:clrMapOvr>
+    <a:masterClrMapping/>
+  </p:clrMapOvr>
+</p:sld>
+</file>
+
+<file path=ppt/slides/slide24.xml><?xml version="1.0" encoding="utf-8"?>
+<p:sld xmlns:a="http://schemas.openxmlformats.org/drawingml/2006/main" xmlns:r="http://schemas.openxmlformats.org/officeDocument/2006/relationships" xmlns:p="http://schemas.openxmlformats.org/presentationml/2006/main">
+  <p:cSld>
+    <p:spTree>
+      <p:nvGrpSpPr>
+        <p:cNvPr id="1" name=""/>
+        <p:cNvGrpSpPr/>
+        <p:nvPr/>
+      </p:nvGrpSpPr>
+      <p:grpSpPr>
+        <a:xfrm>
+          <a:off x="0" y="0"/>
+          <a:ext cx="0" cy="0"/>
+          <a:chOff x="0" y="0"/>
+          <a:chExt cx="0" cy="0"/>
+        </a:xfrm>
+      </p:grpSpPr>
+    </p:spTree>
+    <p:extLst>
+      <p:ext uri="{BB962C8B-B14F-4D97-AF65-F5344CB8AC3E}">
+        <p14:creationId xmlns:p14="http://schemas.microsoft.com/office/powerpoint/2010/main" val="1347178506"/>
+      </p:ext>
+    </p:extLst>
+  </p:cSld>
+  <p:clrMapOvr>
+    <a:masterClrMapping/>
+  </p:clrMapOvr>
+</p:sld>
+</file>
+
+<file path=ppt/slides/slide25.xml><?xml version="1.0" encoding="utf-8"?>
+<p:sld xmlns:a="http://schemas.openxmlformats.org/drawingml/2006/main" xmlns:r="http://schemas.openxmlformats.org/officeDocument/2006/relationships" xmlns:p="http://schemas.openxmlformats.org/presentationml/2006/main">
+  <p:cSld>
+    <p:spTree>
+      <p:nvGrpSpPr>
+        <p:cNvPr id="1" name=""/>
+        <p:cNvGrpSpPr/>
+        <p:nvPr/>
+      </p:nvGrpSpPr>
+      <p:grpSpPr>
+        <a:xfrm>
+          <a:off x="0" y="0"/>
+          <a:ext cx="0" cy="0"/>
+          <a:chOff x="0" y="0"/>
+          <a:chExt cx="0" cy="0"/>
+        </a:xfrm>
+      </p:grpSpPr>
+    </p:spTree>
+    <p:extLst>
+      <p:ext uri="{BB962C8B-B14F-4D97-AF65-F5344CB8AC3E}">
+        <p14:creationId xmlns:p14="http://schemas.microsoft.com/office/powerpoint/2010/main" val="450795091"/>
       </p:ext>
     </p:extLst>
   </p:cSld>
